--- a/Design and Automation of VGA.pptx
+++ b/Design and Automation of VGA.pptx
@@ -105,6 +105,11 @@
       </a:defRPr>
     </a:lvl9pPr>
   </p:defaultTextStyle>
+  <p:extLst>
+    <p:ext uri="{EFAFB233-063F-42B5-8137-9DF3F51BA10A}">
+      <p15:sldGuideLst xmlns:p15="http://schemas.microsoft.com/office/powerpoint/2012/main"/>
+    </p:ext>
+  </p:extLst>
 </p:presentation>
 </file>
 
@@ -338,7 +343,7 @@
             <a:fld id="{B61BEF0D-F0BB-DE4B-95CE-6DB70DBA9567}" type="datetimeFigureOut">
               <a:rPr lang="en-US" dirty="0"/>
               <a:pPr/>
-              <a:t>6/27/2023</a:t>
+              <a:t>7/1/2023</a:t>
             </a:fld>
             <a:endParaRPr lang="en-US" dirty="0"/>
           </a:p>
@@ -669,7 +674,7 @@
             <a:fld id="{B61BEF0D-F0BB-DE4B-95CE-6DB70DBA9567}" type="datetimeFigureOut">
               <a:rPr lang="en-US" dirty="0"/>
               <a:pPr/>
-              <a:t>6/27/2023</a:t>
+              <a:t>7/1/2023</a:t>
             </a:fld>
             <a:endParaRPr lang="en-US" dirty="0"/>
           </a:p>
@@ -944,7 +949,7 @@
             <a:fld id="{B61BEF0D-F0BB-DE4B-95CE-6DB70DBA9567}" type="datetimeFigureOut">
               <a:rPr lang="en-US" dirty="0"/>
               <a:pPr/>
-              <a:t>6/27/2023</a:t>
+              <a:t>7/1/2023</a:t>
             </a:fld>
             <a:endParaRPr lang="en-US" dirty="0"/>
           </a:p>
@@ -1509,7 +1514,7 @@
             <a:fld id="{B61BEF0D-F0BB-DE4B-95CE-6DB70DBA9567}" type="datetimeFigureOut">
               <a:rPr lang="en-US" dirty="0"/>
               <a:pPr/>
-              <a:t>6/27/2023</a:t>
+              <a:t>7/1/2023</a:t>
             </a:fld>
             <a:endParaRPr lang="en-US" dirty="0"/>
           </a:p>
@@ -1784,7 +1789,7 @@
             <a:fld id="{B61BEF0D-F0BB-DE4B-95CE-6DB70DBA9567}" type="datetimeFigureOut">
               <a:rPr lang="en-US" dirty="0"/>
               <a:pPr/>
-              <a:t>6/27/2023</a:t>
+              <a:t>7/1/2023</a:t>
             </a:fld>
             <a:endParaRPr lang="en-US" dirty="0"/>
           </a:p>
@@ -2343,7 +2348,7 @@
             <a:fld id="{B61BEF0D-F0BB-DE4B-95CE-6DB70DBA9567}" type="datetimeFigureOut">
               <a:rPr lang="en-US" dirty="0"/>
               <a:pPr/>
-              <a:t>6/27/2023</a:t>
+              <a:t>7/1/2023</a:t>
             </a:fld>
             <a:endParaRPr lang="en-US" dirty="0"/>
           </a:p>
@@ -2667,7 +2672,7 @@
             <a:fld id="{B61BEF0D-F0BB-DE4B-95CE-6DB70DBA9567}" type="datetimeFigureOut">
               <a:rPr lang="en-US" dirty="0"/>
               <a:pPr/>
-              <a:t>6/27/2023</a:t>
+              <a:t>7/1/2023</a:t>
             </a:fld>
             <a:endParaRPr lang="en-US" dirty="0"/>
           </a:p>
@@ -2841,7 +2846,7 @@
             <a:fld id="{B61BEF0D-F0BB-DE4B-95CE-6DB70DBA9567}" type="datetimeFigureOut">
               <a:rPr lang="en-US" dirty="0"/>
               <a:pPr/>
-              <a:t>6/27/2023</a:t>
+              <a:t>7/1/2023</a:t>
             </a:fld>
             <a:endParaRPr lang="en-US" dirty="0"/>
           </a:p>
@@ -3076,7 +3081,7 @@
             <a:fld id="{B61BEF0D-F0BB-DE4B-95CE-6DB70DBA9567}" type="datetimeFigureOut">
               <a:rPr lang="en-US" dirty="0"/>
               <a:pPr/>
-              <a:t>6/27/2023</a:t>
+              <a:t>7/1/2023</a:t>
             </a:fld>
             <a:endParaRPr lang="en-US" dirty="0"/>
           </a:p>
@@ -3273,7 +3278,7 @@
             <a:fld id="{B61BEF0D-F0BB-DE4B-95CE-6DB70DBA9567}" type="datetimeFigureOut">
               <a:rPr lang="en-US" dirty="0"/>
               <a:pPr/>
-              <a:t>6/27/2023</a:t>
+              <a:t>7/1/2023</a:t>
             </a:fld>
             <a:endParaRPr lang="en-US" dirty="0"/>
           </a:p>
@@ -3546,7 +3551,7 @@
             <a:fld id="{B61BEF0D-F0BB-DE4B-95CE-6DB70DBA9567}" type="datetimeFigureOut">
               <a:rPr lang="en-US" dirty="0"/>
               <a:pPr/>
-              <a:t>6/27/2023</a:t>
+              <a:t>7/1/2023</a:t>
             </a:fld>
             <a:endParaRPr lang="en-US" dirty="0"/>
           </a:p>
@@ -3809,7 +3814,7 @@
             <a:fld id="{B61BEF0D-F0BB-DE4B-95CE-6DB70DBA9567}" type="datetimeFigureOut">
               <a:rPr lang="en-US" dirty="0"/>
               <a:pPr/>
-              <a:t>6/27/2023</a:t>
+              <a:t>7/1/2023</a:t>
             </a:fld>
             <a:endParaRPr lang="en-US" dirty="0"/>
           </a:p>
@@ -4180,7 +4185,7 @@
             <a:fld id="{B61BEF0D-F0BB-DE4B-95CE-6DB70DBA9567}" type="datetimeFigureOut">
               <a:rPr lang="en-US" dirty="0"/>
               <a:pPr/>
-              <a:t>6/27/2023</a:t>
+              <a:t>7/1/2023</a:t>
             </a:fld>
             <a:endParaRPr lang="en-US" dirty="0"/>
           </a:p>
@@ -4325,7 +4330,7 @@
             <a:fld id="{B61BEF0D-F0BB-DE4B-95CE-6DB70DBA9567}" type="datetimeFigureOut">
               <a:rPr lang="en-US" dirty="0"/>
               <a:pPr/>
-              <a:t>6/27/2023</a:t>
+              <a:t>7/1/2023</a:t>
             </a:fld>
             <a:endParaRPr lang="en-US" dirty="0"/>
           </a:p>
@@ -4447,7 +4452,7 @@
             <a:fld id="{B61BEF0D-F0BB-DE4B-95CE-6DB70DBA9567}" type="datetimeFigureOut">
               <a:rPr lang="en-US" dirty="0"/>
               <a:pPr/>
-              <a:t>6/27/2023</a:t>
+              <a:t>7/1/2023</a:t>
             </a:fld>
             <a:endParaRPr lang="en-US" dirty="0"/>
           </a:p>
@@ -4729,7 +4734,7 @@
             <a:fld id="{B61BEF0D-F0BB-DE4B-95CE-6DB70DBA9567}" type="datetimeFigureOut">
               <a:rPr lang="en-US" dirty="0"/>
               <a:pPr/>
-              <a:t>6/27/2023</a:t>
+              <a:t>7/1/2023</a:t>
             </a:fld>
             <a:endParaRPr lang="en-US" dirty="0"/>
           </a:p>
@@ -5050,7 +5055,7 @@
             <a:fld id="{B61BEF0D-F0BB-DE4B-95CE-6DB70DBA9567}" type="datetimeFigureOut">
               <a:rPr lang="en-US" dirty="0"/>
               <a:pPr/>
-              <a:t>6/27/2023</a:t>
+              <a:t>7/1/2023</a:t>
             </a:fld>
             <a:endParaRPr lang="en-US" dirty="0"/>
           </a:p>
@@ -5261,7 +5266,7 @@
             <a:fld id="{B61BEF0D-F0BB-DE4B-95CE-6DB70DBA9567}" type="datetimeFigureOut">
               <a:rPr lang="en-US" dirty="0"/>
               <a:pPr/>
-              <a:t>6/27/2023</a:t>
+              <a:t>7/1/2023</a:t>
             </a:fld>
             <a:endParaRPr lang="en-US" dirty="0"/>
           </a:p>
@@ -5800,7 +5805,7 @@
           <a:p>
             <a:pPr algn="ctr"/>
             <a:r>
-              <a:rPr lang="en-US" sz="4000" b="1" dirty="0">
+              <a:rPr lang="en-US" sz="3200" b="1" dirty="0">
                 <a:solidFill>
                   <a:schemeClr val="tx1"/>
                 </a:solidFill>
@@ -5812,10 +5817,10 @@
                   </a:outerShdw>
                 </a:effectLst>
               </a:rPr>
-              <a:t>Design and Automation of VGA</a:t>
+              <a:t>Design of VGA (Variable Gain resistor)</a:t>
             </a:r>
             <a:br>
-              <a:rPr lang="en-US" sz="4000" b="1" dirty="0">
+              <a:rPr lang="en-US" sz="3200" b="1" dirty="0">
                 <a:solidFill>
                   <a:schemeClr val="tx1"/>
                 </a:solidFill>
@@ -5829,7 +5834,7 @@
               </a:rPr>
             </a:br>
             <a:r>
-              <a:rPr lang="ar-EG" sz="4000" b="1" dirty="0">
+              <a:rPr lang="ar-EG" sz="3200" b="1" dirty="0">
                 <a:solidFill>
                   <a:schemeClr val="tx1"/>
                 </a:solidFill>
@@ -5843,7 +5848,7 @@
               </a:rPr>
               <a:t>مضخم بكسب قابل للتغيير</a:t>
             </a:r>
-            <a:endParaRPr lang="en-US" sz="4000" b="1" dirty="0">
+            <a:endParaRPr lang="en-US" sz="3200" b="1" dirty="0">
               <a:solidFill>
                 <a:schemeClr val="tx1"/>
               </a:solidFill>
